--- a/RapporteringLaroni/PrototypesLaroniTravel.pptx
+++ b/RapporteringLaroni/PrototypesLaroniTravel.pptx
@@ -15,6 +15,8 @@
     <p:sldId id="263" r:id="rId9"/>
     <p:sldId id="264" r:id="rId10"/>
     <p:sldId id="265" r:id="rId11"/>
+    <p:sldId id="266" r:id="rId12"/>
+    <p:sldId id="267" r:id="rId13"/>
   </p:sldIdLst>
   <p:sldSz cx="12192000" cy="6858000"/>
   <p:notesSz cx="6858000" cy="9144000"/>
@@ -270,7 +272,7 @@
           <a:p>
             <a:fld id="{BBAB34EB-F80C-4AC1-9434-B22F0C936699}" type="datetimeFigureOut">
               <a:rPr lang="nl-BE" smtClean="0"/>
-              <a:t>17/05/2023</a:t>
+              <a:t>29/05/2023</a:t>
             </a:fld>
             <a:endParaRPr lang="nl-BE"/>
           </a:p>
@@ -470,7 +472,7 @@
           <a:p>
             <a:fld id="{BBAB34EB-F80C-4AC1-9434-B22F0C936699}" type="datetimeFigureOut">
               <a:rPr lang="nl-BE" smtClean="0"/>
-              <a:t>17/05/2023</a:t>
+              <a:t>29/05/2023</a:t>
             </a:fld>
             <a:endParaRPr lang="nl-BE"/>
           </a:p>
@@ -680,7 +682,7 @@
           <a:p>
             <a:fld id="{BBAB34EB-F80C-4AC1-9434-B22F0C936699}" type="datetimeFigureOut">
               <a:rPr lang="nl-BE" smtClean="0"/>
-              <a:t>17/05/2023</a:t>
+              <a:t>29/05/2023</a:t>
             </a:fld>
             <a:endParaRPr lang="nl-BE"/>
           </a:p>
@@ -880,7 +882,7 @@
           <a:p>
             <a:fld id="{BBAB34EB-F80C-4AC1-9434-B22F0C936699}" type="datetimeFigureOut">
               <a:rPr lang="nl-BE" smtClean="0"/>
-              <a:t>17/05/2023</a:t>
+              <a:t>29/05/2023</a:t>
             </a:fld>
             <a:endParaRPr lang="nl-BE"/>
           </a:p>
@@ -1156,7 +1158,7 @@
           <a:p>
             <a:fld id="{BBAB34EB-F80C-4AC1-9434-B22F0C936699}" type="datetimeFigureOut">
               <a:rPr lang="nl-BE" smtClean="0"/>
-              <a:t>17/05/2023</a:t>
+              <a:t>29/05/2023</a:t>
             </a:fld>
             <a:endParaRPr lang="nl-BE"/>
           </a:p>
@@ -1424,7 +1426,7 @@
           <a:p>
             <a:fld id="{BBAB34EB-F80C-4AC1-9434-B22F0C936699}" type="datetimeFigureOut">
               <a:rPr lang="nl-BE" smtClean="0"/>
-              <a:t>17/05/2023</a:t>
+              <a:t>29/05/2023</a:t>
             </a:fld>
             <a:endParaRPr lang="nl-BE"/>
           </a:p>
@@ -1839,7 +1841,7 @@
           <a:p>
             <a:fld id="{BBAB34EB-F80C-4AC1-9434-B22F0C936699}" type="datetimeFigureOut">
               <a:rPr lang="nl-BE" smtClean="0"/>
-              <a:t>17/05/2023</a:t>
+              <a:t>29/05/2023</a:t>
             </a:fld>
             <a:endParaRPr lang="nl-BE"/>
           </a:p>
@@ -1981,7 +1983,7 @@
           <a:p>
             <a:fld id="{BBAB34EB-F80C-4AC1-9434-B22F0C936699}" type="datetimeFigureOut">
               <a:rPr lang="nl-BE" smtClean="0"/>
-              <a:t>17/05/2023</a:t>
+              <a:t>29/05/2023</a:t>
             </a:fld>
             <a:endParaRPr lang="nl-BE"/>
           </a:p>
@@ -2094,7 +2096,7 @@
           <a:p>
             <a:fld id="{BBAB34EB-F80C-4AC1-9434-B22F0C936699}" type="datetimeFigureOut">
               <a:rPr lang="nl-BE" smtClean="0"/>
-              <a:t>17/05/2023</a:t>
+              <a:t>29/05/2023</a:t>
             </a:fld>
             <a:endParaRPr lang="nl-BE"/>
           </a:p>
@@ -2407,7 +2409,7 @@
           <a:p>
             <a:fld id="{BBAB34EB-F80C-4AC1-9434-B22F0C936699}" type="datetimeFigureOut">
               <a:rPr lang="nl-BE" smtClean="0"/>
-              <a:t>17/05/2023</a:t>
+              <a:t>29/05/2023</a:t>
             </a:fld>
             <a:endParaRPr lang="nl-BE"/>
           </a:p>
@@ -2696,7 +2698,7 @@
           <a:p>
             <a:fld id="{BBAB34EB-F80C-4AC1-9434-B22F0C936699}" type="datetimeFigureOut">
               <a:rPr lang="nl-BE" smtClean="0"/>
-              <a:t>17/05/2023</a:t>
+              <a:t>29/05/2023</a:t>
             </a:fld>
             <a:endParaRPr lang="nl-BE"/>
           </a:p>
@@ -2939,7 +2941,7 @@
           <a:p>
             <a:fld id="{BBAB34EB-F80C-4AC1-9434-B22F0C936699}" type="datetimeFigureOut">
               <a:rPr lang="nl-BE" smtClean="0"/>
-              <a:t>17/05/2023</a:t>
+              <a:t>29/05/2023</a:t>
             </a:fld>
             <a:endParaRPr lang="nl-BE"/>
           </a:p>
@@ -3529,6 +3531,181 @@
 </p:sld>
 </file>
 
+<file path=ppt/slides/slide11.xml><?xml version="1.0" encoding="utf-8"?>
+<p:sld xmlns:a="http://schemas.openxmlformats.org/drawingml/2006/main" xmlns:r="http://schemas.openxmlformats.org/officeDocument/2006/relationships" xmlns:p="http://schemas.openxmlformats.org/presentationml/2006/main">
+  <p:cSld>
+    <p:spTree>
+      <p:nvGrpSpPr>
+        <p:cNvPr id="1" name=""/>
+        <p:cNvGrpSpPr/>
+        <p:nvPr/>
+      </p:nvGrpSpPr>
+      <p:grpSpPr>
+        <a:xfrm>
+          <a:off x="0" y="0"/>
+          <a:ext cx="0" cy="0"/>
+          <a:chOff x="0" y="0"/>
+          <a:chExt cx="0" cy="0"/>
+        </a:xfrm>
+      </p:grpSpPr>
+      <p:sp>
+        <p:nvSpPr>
+          <p:cNvPr id="2" name="Titel 1">
+            <a:extLst>
+              <a:ext uri="{FF2B5EF4-FFF2-40B4-BE49-F238E27FC236}">
+                <a16:creationId xmlns:a16="http://schemas.microsoft.com/office/drawing/2014/main" id="{E05457F8-6841-CB64-DDE0-910022DB622D}"/>
+              </a:ext>
+            </a:extLst>
+          </p:cNvPr>
+          <p:cNvSpPr>
+            <a:spLocks noGrp="1"/>
+          </p:cNvSpPr>
+          <p:nvPr>
+            <p:ph type="title"/>
+          </p:nvPr>
+        </p:nvSpPr>
+        <p:spPr/>
+        <p:txBody>
+          <a:bodyPr/>
+          <a:lstStyle/>
+          <a:p>
+            <a:r>
+              <a:rPr lang="nl-BE" dirty="0" err="1"/>
+              <a:t>OpleidingView</a:t>
+            </a:r>
+            <a:endParaRPr lang="nl-BE" dirty="0"/>
+          </a:p>
+        </p:txBody>
+      </p:sp>
+      <p:pic>
+        <p:nvPicPr>
+          <p:cNvPr id="5" name="Tijdelijke aanduiding voor inhoud 4">
+            <a:extLst>
+              <a:ext uri="{FF2B5EF4-FFF2-40B4-BE49-F238E27FC236}">
+                <a16:creationId xmlns:a16="http://schemas.microsoft.com/office/drawing/2014/main" id="{94205658-B386-B5D1-719B-0EC264EC8797}"/>
+              </a:ext>
+            </a:extLst>
+          </p:cNvPr>
+          <p:cNvPicPr>
+            <a:picLocks noGrp="1" noChangeAspect="1"/>
+          </p:cNvPicPr>
+          <p:nvPr>
+            <p:ph idx="1"/>
+          </p:nvPr>
+        </p:nvPicPr>
+        <p:blipFill>
+          <a:blip r:embed="rId2"/>
+          <a:stretch>
+            <a:fillRect/>
+          </a:stretch>
+        </p:blipFill>
+        <p:spPr>
+          <a:xfrm>
+            <a:off x="2453324" y="2134232"/>
+            <a:ext cx="7285351" cy="3734124"/>
+          </a:xfrm>
+        </p:spPr>
+      </p:pic>
+    </p:spTree>
+    <p:extLst>
+      <p:ext uri="{BB962C8B-B14F-4D97-AF65-F5344CB8AC3E}">
+        <p14:creationId xmlns:p14="http://schemas.microsoft.com/office/powerpoint/2010/main" val="3121020547"/>
+      </p:ext>
+    </p:extLst>
+  </p:cSld>
+  <p:clrMapOvr>
+    <a:masterClrMapping/>
+  </p:clrMapOvr>
+</p:sld>
+</file>
+
+<file path=ppt/slides/slide12.xml><?xml version="1.0" encoding="utf-8"?>
+<p:sld xmlns:a="http://schemas.openxmlformats.org/drawingml/2006/main" xmlns:r="http://schemas.openxmlformats.org/officeDocument/2006/relationships" xmlns:p="http://schemas.openxmlformats.org/presentationml/2006/main">
+  <p:cSld>
+    <p:spTree>
+      <p:nvGrpSpPr>
+        <p:cNvPr id="1" name=""/>
+        <p:cNvGrpSpPr/>
+        <p:nvPr/>
+      </p:nvGrpSpPr>
+      <p:grpSpPr>
+        <a:xfrm>
+          <a:off x="0" y="0"/>
+          <a:ext cx="0" cy="0"/>
+          <a:chOff x="0" y="0"/>
+          <a:chExt cx="0" cy="0"/>
+        </a:xfrm>
+      </p:grpSpPr>
+      <p:sp>
+        <p:nvSpPr>
+          <p:cNvPr id="2" name="Titel 1">
+            <a:extLst>
+              <a:ext uri="{FF2B5EF4-FFF2-40B4-BE49-F238E27FC236}">
+                <a16:creationId xmlns:a16="http://schemas.microsoft.com/office/drawing/2014/main" id="{E05457F8-6841-CB64-DDE0-910022DB622D}"/>
+              </a:ext>
+            </a:extLst>
+          </p:cNvPr>
+          <p:cNvSpPr>
+            <a:spLocks noGrp="1"/>
+          </p:cNvSpPr>
+          <p:nvPr>
+            <p:ph type="title"/>
+          </p:nvPr>
+        </p:nvSpPr>
+        <p:spPr/>
+        <p:txBody>
+          <a:bodyPr/>
+          <a:lstStyle/>
+          <a:p>
+            <a:r>
+              <a:rPr lang="nl-BE" dirty="0"/>
+              <a:t>Kiezen uit opleiding, CRUD en Deelnemers ophalen</a:t>
+            </a:r>
+          </a:p>
+        </p:txBody>
+      </p:sp>
+      <p:pic>
+        <p:nvPicPr>
+          <p:cNvPr id="5" name="Tijdelijke aanduiding voor inhoud 4">
+            <a:extLst>
+              <a:ext uri="{FF2B5EF4-FFF2-40B4-BE49-F238E27FC236}">
+                <a16:creationId xmlns:a16="http://schemas.microsoft.com/office/drawing/2014/main" id="{94605E34-938F-5A70-FD76-1C75243839E4}"/>
+              </a:ext>
+            </a:extLst>
+          </p:cNvPr>
+          <p:cNvPicPr>
+            <a:picLocks noGrp="1" noChangeAspect="1"/>
+          </p:cNvPicPr>
+          <p:nvPr>
+            <p:ph idx="1"/>
+          </p:nvPr>
+        </p:nvPicPr>
+        <p:blipFill>
+          <a:blip r:embed="rId2"/>
+          <a:stretch>
+            <a:fillRect/>
+          </a:stretch>
+        </p:blipFill>
+        <p:spPr>
+          <a:xfrm>
+            <a:off x="2270169" y="1825625"/>
+            <a:ext cx="7651661" cy="4351338"/>
+          </a:xfrm>
+        </p:spPr>
+      </p:pic>
+    </p:spTree>
+    <p:extLst>
+      <p:ext uri="{BB962C8B-B14F-4D97-AF65-F5344CB8AC3E}">
+        <p14:creationId xmlns:p14="http://schemas.microsoft.com/office/powerpoint/2010/main" val="1629586952"/>
+      </p:ext>
+    </p:extLst>
+  </p:cSld>
+  <p:clrMapOvr>
+    <a:masterClrMapping/>
+  </p:clrMapOvr>
+</p:sld>
+</file>
+
 <file path=ppt/slides/slide2.xml><?xml version="1.0" encoding="utf-8"?>
 <p:sld xmlns:a="http://schemas.openxmlformats.org/drawingml/2006/main" xmlns:r="http://schemas.openxmlformats.org/officeDocument/2006/relationships" xmlns:p="http://schemas.openxmlformats.org/presentationml/2006/main">
   <p:cSld>

--- a/RapporteringLaroni/PrototypesLaroniTravel.pptx
+++ b/RapporteringLaroni/PrototypesLaroniTravel.pptx
@@ -3491,10 +3491,10 @@
       </p:sp>
       <p:pic>
         <p:nvPicPr>
-          <p:cNvPr id="15" name="Tijdelijke aanduiding voor inhoud 14">
-            <a:extLst>
-              <a:ext uri="{FF2B5EF4-FFF2-40B4-BE49-F238E27FC236}">
-                <a16:creationId xmlns:a16="http://schemas.microsoft.com/office/drawing/2014/main" id="{6BD86DD9-CEDD-CBDF-079C-06FA625D62E7}"/>
+          <p:cNvPr id="10" name="Tijdelijke aanduiding voor inhoud 9">
+            <a:extLst>
+              <a:ext uri="{FF2B5EF4-FFF2-40B4-BE49-F238E27FC236}">
+                <a16:creationId xmlns:a16="http://schemas.microsoft.com/office/drawing/2014/main" id="{F4DE2C76-113A-714A-80C9-AD894DD7FFFE}"/>
               </a:ext>
             </a:extLst>
           </p:cNvPr>
@@ -3513,8 +3513,8 @@
         </p:blipFill>
         <p:spPr>
           <a:xfrm>
-            <a:off x="2636196" y="1825625"/>
-            <a:ext cx="6919608" cy="4351338"/>
+            <a:off x="2247513" y="1825625"/>
+            <a:ext cx="7696973" cy="4351338"/>
           </a:xfrm>
         </p:spPr>
       </p:pic>
@@ -4101,10 +4101,10 @@
       </p:sp>
       <p:pic>
         <p:nvPicPr>
-          <p:cNvPr id="6" name="Tijdelijke aanduiding voor inhoud 5">
-            <a:extLst>
-              <a:ext uri="{FF2B5EF4-FFF2-40B4-BE49-F238E27FC236}">
-                <a16:creationId xmlns:a16="http://schemas.microsoft.com/office/drawing/2014/main" id="{CA21B521-78A1-F988-2EEB-936B08F74947}"/>
+          <p:cNvPr id="9" name="Tijdelijke aanduiding voor inhoud 8">
+            <a:extLst>
+              <a:ext uri="{FF2B5EF4-FFF2-40B4-BE49-F238E27FC236}">
+                <a16:creationId xmlns:a16="http://schemas.microsoft.com/office/drawing/2014/main" id="{E89489F6-CDB2-05C1-1F3D-8F700D717A1A}"/>
               </a:ext>
             </a:extLst>
           </p:cNvPr>
@@ -4123,8 +4123,8 @@
         </p:blipFill>
         <p:spPr>
           <a:xfrm>
-            <a:off x="1825492" y="1825625"/>
-            <a:ext cx="8541015" cy="4351338"/>
+            <a:off x="1734334" y="1825625"/>
+            <a:ext cx="8723332" cy="4351338"/>
           </a:xfrm>
         </p:spPr>
       </p:pic>
@@ -4188,10 +4188,10 @@
       </p:sp>
       <p:pic>
         <p:nvPicPr>
-          <p:cNvPr id="6" name="Tijdelijke aanduiding voor inhoud 5">
-            <a:extLst>
-              <a:ext uri="{FF2B5EF4-FFF2-40B4-BE49-F238E27FC236}">
-                <a16:creationId xmlns:a16="http://schemas.microsoft.com/office/drawing/2014/main" id="{C2A7A5D4-1992-C9B8-4FEC-D095EF5F99B0}"/>
+          <p:cNvPr id="7" name="Tijdelijke aanduiding voor inhoud 6">
+            <a:extLst>
+              <a:ext uri="{FF2B5EF4-FFF2-40B4-BE49-F238E27FC236}">
+                <a16:creationId xmlns:a16="http://schemas.microsoft.com/office/drawing/2014/main" id="{71DCC441-CECB-5EA1-6AD7-E50100E8BD16}"/>
               </a:ext>
             </a:extLst>
           </p:cNvPr>
@@ -4210,8 +4210,8 @@
         </p:blipFill>
         <p:spPr>
           <a:xfrm>
-            <a:off x="1748072" y="1825625"/>
-            <a:ext cx="8695856" cy="4351338"/>
+            <a:off x="1805662" y="1825625"/>
+            <a:ext cx="8580675" cy="4351338"/>
           </a:xfrm>
         </p:spPr>
       </p:pic>
@@ -4277,10 +4277,10 @@
       </p:sp>
       <p:pic>
         <p:nvPicPr>
-          <p:cNvPr id="7" name="Tijdelijke aanduiding voor inhoud 6">
-            <a:extLst>
-              <a:ext uri="{FF2B5EF4-FFF2-40B4-BE49-F238E27FC236}">
-                <a16:creationId xmlns:a16="http://schemas.microsoft.com/office/drawing/2014/main" id="{9677512F-C742-0CB3-D495-9F7C5B76EABB}"/>
+          <p:cNvPr id="6" name="Tijdelijke aanduiding voor inhoud 5">
+            <a:extLst>
+              <a:ext uri="{FF2B5EF4-FFF2-40B4-BE49-F238E27FC236}">
+                <a16:creationId xmlns:a16="http://schemas.microsoft.com/office/drawing/2014/main" id="{580FAA7C-68AB-F140-F614-5943CC6B8691}"/>
               </a:ext>
             </a:extLst>
           </p:cNvPr>
@@ -4299,8 +4299,8 @@
         </p:blipFill>
         <p:spPr>
           <a:xfrm>
-            <a:off x="1741225" y="1825625"/>
-            <a:ext cx="8709550" cy="4351338"/>
+            <a:off x="1695770" y="1825625"/>
+            <a:ext cx="8800459" cy="4351338"/>
           </a:xfrm>
         </p:spPr>
       </p:pic>
@@ -4364,10 +4364,10 @@
       </p:sp>
       <p:pic>
         <p:nvPicPr>
-          <p:cNvPr id="6" name="Tijdelijke aanduiding voor inhoud 5">
-            <a:extLst>
-              <a:ext uri="{FF2B5EF4-FFF2-40B4-BE49-F238E27FC236}">
-                <a16:creationId xmlns:a16="http://schemas.microsoft.com/office/drawing/2014/main" id="{D6571B9B-482B-6A49-127C-93D83BC47826}"/>
+          <p:cNvPr id="7" name="Tijdelijke aanduiding voor inhoud 6">
+            <a:extLst>
+              <a:ext uri="{FF2B5EF4-FFF2-40B4-BE49-F238E27FC236}">
+                <a16:creationId xmlns:a16="http://schemas.microsoft.com/office/drawing/2014/main" id="{424EB2DE-0D81-5B16-00D5-973272B2395A}"/>
               </a:ext>
             </a:extLst>
           </p:cNvPr>
@@ -4386,8 +4386,8 @@
         </p:blipFill>
         <p:spPr>
           <a:xfrm>
-            <a:off x="1829782" y="1825625"/>
-            <a:ext cx="8532435" cy="4351338"/>
+            <a:off x="1836162" y="1825625"/>
+            <a:ext cx="8519675" cy="4351338"/>
           </a:xfrm>
         </p:spPr>
       </p:pic>
